--- a/Figures/Figures.pptx
+++ b/Figures/Figures.pptx
@@ -17,6 +17,12 @@
     <p:sldId id="265" r:id="rId11"/>
     <p:sldId id="266" r:id="rId12"/>
     <p:sldId id="267" r:id="rId13"/>
+    <p:sldId id="268" r:id="rId14"/>
+    <p:sldId id="269" r:id="rId15"/>
+    <p:sldId id="270" r:id="rId16"/>
+    <p:sldId id="271" r:id="rId17"/>
+    <p:sldId id="272" r:id="rId18"/>
+    <p:sldId id="273" r:id="rId19"/>
   </p:sldIdLst>
   <p:sldSz cx="12192000" cy="6858000"/>
   <p:notesSz cx="6858000" cy="9144000"/>
@@ -272,7 +278,7 @@
           <a:p>
             <a:fld id="{2F1A0804-6E6D-4519-AA4E-763EE0AEB052}" type="datetimeFigureOut">
               <a:rPr lang="en-GB" smtClean="0"/>
-              <a:t>08/07/2019</a:t>
+              <a:t>10/07/2019</a:t>
             </a:fld>
             <a:endParaRPr lang="en-GB"/>
           </a:p>
@@ -472,7 +478,7 @@
           <a:p>
             <a:fld id="{2F1A0804-6E6D-4519-AA4E-763EE0AEB052}" type="datetimeFigureOut">
               <a:rPr lang="en-GB" smtClean="0"/>
-              <a:t>08/07/2019</a:t>
+              <a:t>10/07/2019</a:t>
             </a:fld>
             <a:endParaRPr lang="en-GB"/>
           </a:p>
@@ -682,7 +688,7 @@
           <a:p>
             <a:fld id="{2F1A0804-6E6D-4519-AA4E-763EE0AEB052}" type="datetimeFigureOut">
               <a:rPr lang="en-GB" smtClean="0"/>
-              <a:t>08/07/2019</a:t>
+              <a:t>10/07/2019</a:t>
             </a:fld>
             <a:endParaRPr lang="en-GB"/>
           </a:p>
@@ -882,7 +888,7 @@
           <a:p>
             <a:fld id="{2F1A0804-6E6D-4519-AA4E-763EE0AEB052}" type="datetimeFigureOut">
               <a:rPr lang="en-GB" smtClean="0"/>
-              <a:t>08/07/2019</a:t>
+              <a:t>10/07/2019</a:t>
             </a:fld>
             <a:endParaRPr lang="en-GB"/>
           </a:p>
@@ -1158,7 +1164,7 @@
           <a:p>
             <a:fld id="{2F1A0804-6E6D-4519-AA4E-763EE0AEB052}" type="datetimeFigureOut">
               <a:rPr lang="en-GB" smtClean="0"/>
-              <a:t>08/07/2019</a:t>
+              <a:t>10/07/2019</a:t>
             </a:fld>
             <a:endParaRPr lang="en-GB"/>
           </a:p>
@@ -1426,7 +1432,7 @@
           <a:p>
             <a:fld id="{2F1A0804-6E6D-4519-AA4E-763EE0AEB052}" type="datetimeFigureOut">
               <a:rPr lang="en-GB" smtClean="0"/>
-              <a:t>08/07/2019</a:t>
+              <a:t>10/07/2019</a:t>
             </a:fld>
             <a:endParaRPr lang="en-GB"/>
           </a:p>
@@ -1841,7 +1847,7 @@
           <a:p>
             <a:fld id="{2F1A0804-6E6D-4519-AA4E-763EE0AEB052}" type="datetimeFigureOut">
               <a:rPr lang="en-GB" smtClean="0"/>
-              <a:t>08/07/2019</a:t>
+              <a:t>10/07/2019</a:t>
             </a:fld>
             <a:endParaRPr lang="en-GB"/>
           </a:p>
@@ -1983,7 +1989,7 @@
           <a:p>
             <a:fld id="{2F1A0804-6E6D-4519-AA4E-763EE0AEB052}" type="datetimeFigureOut">
               <a:rPr lang="en-GB" smtClean="0"/>
-              <a:t>08/07/2019</a:t>
+              <a:t>10/07/2019</a:t>
             </a:fld>
             <a:endParaRPr lang="en-GB"/>
           </a:p>
@@ -2096,7 +2102,7 @@
           <a:p>
             <a:fld id="{2F1A0804-6E6D-4519-AA4E-763EE0AEB052}" type="datetimeFigureOut">
               <a:rPr lang="en-GB" smtClean="0"/>
-              <a:t>08/07/2019</a:t>
+              <a:t>10/07/2019</a:t>
             </a:fld>
             <a:endParaRPr lang="en-GB"/>
           </a:p>
@@ -2409,7 +2415,7 @@
           <a:p>
             <a:fld id="{2F1A0804-6E6D-4519-AA4E-763EE0AEB052}" type="datetimeFigureOut">
               <a:rPr lang="en-GB" smtClean="0"/>
-              <a:t>08/07/2019</a:t>
+              <a:t>10/07/2019</a:t>
             </a:fld>
             <a:endParaRPr lang="en-GB"/>
           </a:p>
@@ -2698,7 +2704,7 @@
           <a:p>
             <a:fld id="{2F1A0804-6E6D-4519-AA4E-763EE0AEB052}" type="datetimeFigureOut">
               <a:rPr lang="en-GB" smtClean="0"/>
-              <a:t>08/07/2019</a:t>
+              <a:t>10/07/2019</a:t>
             </a:fld>
             <a:endParaRPr lang="en-GB"/>
           </a:p>
@@ -2941,7 +2947,7 @@
           <a:p>
             <a:fld id="{2F1A0804-6E6D-4519-AA4E-763EE0AEB052}" type="datetimeFigureOut">
               <a:rPr lang="en-GB" smtClean="0"/>
-              <a:t>08/07/2019</a:t>
+              <a:t>10/07/2019</a:t>
             </a:fld>
             <a:endParaRPr lang="en-GB"/>
           </a:p>
@@ -3601,6 +3607,979 @@
 </p:sld>
 </file>
 
+<file path=ppt/slides/slide13.xml><?xml version="1.0" encoding="utf-8"?>
+<p:sld xmlns:a="http://schemas.openxmlformats.org/drawingml/2006/main" xmlns:r="http://schemas.openxmlformats.org/officeDocument/2006/relationships" xmlns:p="http://schemas.openxmlformats.org/presentationml/2006/main">
+  <p:cSld>
+    <p:spTree>
+      <p:nvGrpSpPr>
+        <p:cNvPr id="1" name=""/>
+        <p:cNvGrpSpPr/>
+        <p:nvPr/>
+      </p:nvGrpSpPr>
+      <p:grpSpPr>
+        <a:xfrm>
+          <a:off x="0" y="0"/>
+          <a:ext cx="0" cy="0"/>
+          <a:chOff x="0" y="0"/>
+          <a:chExt cx="0" cy="0"/>
+        </a:xfrm>
+      </p:grpSpPr>
+      <p:pic>
+        <p:nvPicPr>
+          <p:cNvPr id="5" name="Picture 4">
+            <a:extLst>
+              <a:ext uri="{FF2B5EF4-FFF2-40B4-BE49-F238E27FC236}">
+                <a16:creationId xmlns:a16="http://schemas.microsoft.com/office/drawing/2014/main" id="{83D0793D-C1BF-479B-BDD9-4A121879971A}"/>
+              </a:ext>
+            </a:extLst>
+          </p:cNvPr>
+          <p:cNvPicPr>
+            <a:picLocks noChangeAspect="1"/>
+          </p:cNvPicPr>
+          <p:nvPr/>
+        </p:nvPicPr>
+        <p:blipFill rotWithShape="1">
+          <a:blip r:embed="rId2">
+            <a:extLst>
+              <a:ext uri="{28A0092B-C50C-407E-A947-70E740481C1C}">
+                <a14:useLocalDpi xmlns:a14="http://schemas.microsoft.com/office/drawing/2010/main" val="0"/>
+              </a:ext>
+            </a:extLst>
+          </a:blip>
+          <a:srcRect t="9942" r="4885"/>
+          <a:stretch/>
+        </p:blipFill>
+        <p:spPr>
+          <a:xfrm>
+            <a:off x="2132068" y="1128713"/>
+            <a:ext cx="7540570" cy="5171508"/>
+          </a:xfrm>
+          <a:prstGeom prst="rect">
+            <a:avLst/>
+          </a:prstGeom>
+        </p:spPr>
+      </p:pic>
+    </p:spTree>
+    <p:extLst>
+      <p:ext uri="{BB962C8B-B14F-4D97-AF65-F5344CB8AC3E}">
+        <p14:creationId xmlns:p14="http://schemas.microsoft.com/office/powerpoint/2010/main" val="1085537826"/>
+      </p:ext>
+    </p:extLst>
+  </p:cSld>
+  <p:clrMapOvr>
+    <a:masterClrMapping/>
+  </p:clrMapOvr>
+</p:sld>
+</file>
+
+<file path=ppt/slides/slide14.xml><?xml version="1.0" encoding="utf-8"?>
+<p:sld xmlns:a="http://schemas.openxmlformats.org/drawingml/2006/main" xmlns:r="http://schemas.openxmlformats.org/officeDocument/2006/relationships" xmlns:p="http://schemas.openxmlformats.org/presentationml/2006/main">
+  <p:cSld>
+    <p:spTree>
+      <p:nvGrpSpPr>
+        <p:cNvPr id="1" name=""/>
+        <p:cNvGrpSpPr/>
+        <p:nvPr/>
+      </p:nvGrpSpPr>
+      <p:grpSpPr>
+        <a:xfrm>
+          <a:off x="0" y="0"/>
+          <a:ext cx="0" cy="0"/>
+          <a:chOff x="0" y="0"/>
+          <a:chExt cx="0" cy="0"/>
+        </a:xfrm>
+      </p:grpSpPr>
+      <p:pic>
+        <p:nvPicPr>
+          <p:cNvPr id="5" name="Picture 4">
+            <a:extLst>
+              <a:ext uri="{FF2B5EF4-FFF2-40B4-BE49-F238E27FC236}">
+                <a16:creationId xmlns:a16="http://schemas.microsoft.com/office/drawing/2014/main" id="{16EA5863-A7F1-4844-8921-7821EED6BE0B}"/>
+              </a:ext>
+            </a:extLst>
+          </p:cNvPr>
+          <p:cNvPicPr>
+            <a:picLocks noChangeAspect="1"/>
+          </p:cNvPicPr>
+          <p:nvPr/>
+        </p:nvPicPr>
+        <p:blipFill rotWithShape="1">
+          <a:blip r:embed="rId2">
+            <a:extLst>
+              <a:ext uri="{28A0092B-C50C-407E-A947-70E740481C1C}">
+                <a14:useLocalDpi xmlns:a14="http://schemas.microsoft.com/office/drawing/2010/main" val="0"/>
+              </a:ext>
+            </a:extLst>
+          </a:blip>
+          <a:srcRect t="9943" r="4886" b="-1"/>
+          <a:stretch/>
+        </p:blipFill>
+        <p:spPr>
+          <a:xfrm>
+            <a:off x="2132067" y="1128713"/>
+            <a:ext cx="7540571" cy="5171507"/>
+          </a:xfrm>
+          <a:prstGeom prst="rect">
+            <a:avLst/>
+          </a:prstGeom>
+        </p:spPr>
+      </p:pic>
+    </p:spTree>
+    <p:extLst>
+      <p:ext uri="{BB962C8B-B14F-4D97-AF65-F5344CB8AC3E}">
+        <p14:creationId xmlns:p14="http://schemas.microsoft.com/office/powerpoint/2010/main" val="4003887676"/>
+      </p:ext>
+    </p:extLst>
+  </p:cSld>
+  <p:clrMapOvr>
+    <a:masterClrMapping/>
+  </p:clrMapOvr>
+</p:sld>
+</file>
+
+<file path=ppt/slides/slide15.xml><?xml version="1.0" encoding="utf-8"?>
+<p:sld xmlns:a="http://schemas.openxmlformats.org/drawingml/2006/main" xmlns:r="http://schemas.openxmlformats.org/officeDocument/2006/relationships" xmlns:p="http://schemas.openxmlformats.org/presentationml/2006/main">
+  <p:cSld>
+    <p:spTree>
+      <p:nvGrpSpPr>
+        <p:cNvPr id="1" name=""/>
+        <p:cNvGrpSpPr/>
+        <p:nvPr/>
+      </p:nvGrpSpPr>
+      <p:grpSpPr>
+        <a:xfrm>
+          <a:off x="0" y="0"/>
+          <a:ext cx="0" cy="0"/>
+          <a:chOff x="0" y="0"/>
+          <a:chExt cx="0" cy="0"/>
+        </a:xfrm>
+      </p:grpSpPr>
+      <p:pic>
+        <p:nvPicPr>
+          <p:cNvPr id="5" name="Picture 4">
+            <a:extLst>
+              <a:ext uri="{FF2B5EF4-FFF2-40B4-BE49-F238E27FC236}">
+                <a16:creationId xmlns:a16="http://schemas.microsoft.com/office/drawing/2014/main" id="{3563E8F3-51E3-4EF4-9370-E0E69E2F8D58}"/>
+              </a:ext>
+            </a:extLst>
+          </p:cNvPr>
+          <p:cNvPicPr>
+            <a:picLocks noChangeAspect="1"/>
+          </p:cNvPicPr>
+          <p:nvPr/>
+        </p:nvPicPr>
+        <p:blipFill rotWithShape="1">
+          <a:blip r:embed="rId2">
+            <a:extLst>
+              <a:ext uri="{28A0092B-C50C-407E-A947-70E740481C1C}">
+                <a14:useLocalDpi xmlns:a14="http://schemas.microsoft.com/office/drawing/2010/main" val="0"/>
+              </a:ext>
+            </a:extLst>
+          </a:blip>
+          <a:srcRect l="-42" t="10193" r="4943" b="-249"/>
+          <a:stretch/>
+        </p:blipFill>
+        <p:spPr>
+          <a:xfrm>
+            <a:off x="2128836" y="1143000"/>
+            <a:ext cx="7539039" cy="5171508"/>
+          </a:xfrm>
+          <a:prstGeom prst="rect">
+            <a:avLst/>
+          </a:prstGeom>
+        </p:spPr>
+      </p:pic>
+    </p:spTree>
+    <p:extLst>
+      <p:ext uri="{BB962C8B-B14F-4D97-AF65-F5344CB8AC3E}">
+        <p14:creationId xmlns:p14="http://schemas.microsoft.com/office/powerpoint/2010/main" val="631505906"/>
+      </p:ext>
+    </p:extLst>
+  </p:cSld>
+  <p:clrMapOvr>
+    <a:masterClrMapping/>
+  </p:clrMapOvr>
+</p:sld>
+</file>
+
+<file path=ppt/slides/slide16.xml><?xml version="1.0" encoding="utf-8"?>
+<p:sld xmlns:a="http://schemas.openxmlformats.org/drawingml/2006/main" xmlns:r="http://schemas.openxmlformats.org/officeDocument/2006/relationships" xmlns:p="http://schemas.openxmlformats.org/presentationml/2006/main">
+  <p:cSld>
+    <p:spTree>
+      <p:nvGrpSpPr>
+        <p:cNvPr id="1" name=""/>
+        <p:cNvGrpSpPr/>
+        <p:nvPr/>
+      </p:nvGrpSpPr>
+      <p:grpSpPr>
+        <a:xfrm>
+          <a:off x="0" y="0"/>
+          <a:ext cx="0" cy="0"/>
+          <a:chOff x="0" y="0"/>
+          <a:chExt cx="0" cy="0"/>
+        </a:xfrm>
+      </p:grpSpPr>
+      <p:pic>
+        <p:nvPicPr>
+          <p:cNvPr id="5" name="Picture 4">
+            <a:extLst>
+              <a:ext uri="{FF2B5EF4-FFF2-40B4-BE49-F238E27FC236}">
+                <a16:creationId xmlns:a16="http://schemas.microsoft.com/office/drawing/2014/main" id="{41E75903-A470-4957-8D45-DA95896856CB}"/>
+              </a:ext>
+            </a:extLst>
+          </p:cNvPr>
+          <p:cNvPicPr>
+            <a:picLocks noChangeAspect="1"/>
+          </p:cNvPicPr>
+          <p:nvPr/>
+        </p:nvPicPr>
+        <p:blipFill rotWithShape="1">
+          <a:blip r:embed="rId2">
+            <a:extLst>
+              <a:ext uri="{28A0092B-C50C-407E-A947-70E740481C1C}">
+                <a14:useLocalDpi xmlns:a14="http://schemas.microsoft.com/office/drawing/2010/main" val="0"/>
+              </a:ext>
+            </a:extLst>
+          </a:blip>
+          <a:srcRect t="9943" r="4885"/>
+          <a:stretch/>
+        </p:blipFill>
+        <p:spPr>
+          <a:xfrm>
+            <a:off x="2132068" y="1128713"/>
+            <a:ext cx="7540570" cy="5171507"/>
+          </a:xfrm>
+          <a:prstGeom prst="rect">
+            <a:avLst/>
+          </a:prstGeom>
+        </p:spPr>
+      </p:pic>
+    </p:spTree>
+    <p:extLst>
+      <p:ext uri="{BB962C8B-B14F-4D97-AF65-F5344CB8AC3E}">
+        <p14:creationId xmlns:p14="http://schemas.microsoft.com/office/powerpoint/2010/main" val="3534059788"/>
+      </p:ext>
+    </p:extLst>
+  </p:cSld>
+  <p:clrMapOvr>
+    <a:masterClrMapping/>
+  </p:clrMapOvr>
+</p:sld>
+</file>
+
+<file path=ppt/slides/slide17.xml><?xml version="1.0" encoding="utf-8"?>
+<p:sld xmlns:a="http://schemas.openxmlformats.org/drawingml/2006/main" xmlns:r="http://schemas.openxmlformats.org/officeDocument/2006/relationships" xmlns:p="http://schemas.openxmlformats.org/presentationml/2006/main">
+  <p:cSld>
+    <p:spTree>
+      <p:nvGrpSpPr>
+        <p:cNvPr id="1" name=""/>
+        <p:cNvGrpSpPr/>
+        <p:nvPr/>
+      </p:nvGrpSpPr>
+      <p:grpSpPr>
+        <a:xfrm>
+          <a:off x="0" y="0"/>
+          <a:ext cx="0" cy="0"/>
+          <a:chOff x="0" y="0"/>
+          <a:chExt cx="0" cy="0"/>
+        </a:xfrm>
+      </p:grpSpPr>
+      <p:sp>
+        <p:nvSpPr>
+          <p:cNvPr id="4" name="Rectangle 3">
+            <a:extLst>
+              <a:ext uri="{FF2B5EF4-FFF2-40B4-BE49-F238E27FC236}">
+                <a16:creationId xmlns:a16="http://schemas.microsoft.com/office/drawing/2014/main" id="{6B9C9A9D-0AF2-41F1-9677-A2E2A3EB570F}"/>
+              </a:ext>
+            </a:extLst>
+          </p:cNvPr>
+          <p:cNvSpPr/>
+          <p:nvPr/>
+        </p:nvSpPr>
+        <p:spPr>
+          <a:xfrm>
+            <a:off x="1108470" y="1300163"/>
+            <a:ext cx="2071688" cy="1343025"/>
+          </a:xfrm>
+          <a:prstGeom prst="rect">
+            <a:avLst/>
+          </a:prstGeom>
+          <a:noFill/>
+          <a:ln>
+            <a:solidFill>
+              <a:schemeClr val="tx1"/>
+            </a:solidFill>
+          </a:ln>
+        </p:spPr>
+        <p:style>
+          <a:lnRef idx="2">
+            <a:schemeClr val="accent1">
+              <a:shade val="50000"/>
+            </a:schemeClr>
+          </a:lnRef>
+          <a:fillRef idx="1">
+            <a:schemeClr val="accent1"/>
+          </a:fillRef>
+          <a:effectRef idx="0">
+            <a:schemeClr val="accent1"/>
+          </a:effectRef>
+          <a:fontRef idx="minor">
+            <a:schemeClr val="lt1"/>
+          </a:fontRef>
+        </p:style>
+        <p:txBody>
+          <a:bodyPr rtlCol="0" anchor="ctr"/>
+          <a:lstStyle/>
+          <a:p>
+            <a:pPr algn="ctr"/>
+            <a:r>
+              <a:rPr lang="en-GB" sz="4000" dirty="0">
+                <a:solidFill>
+                  <a:schemeClr val="tx1"/>
+                </a:solidFill>
+              </a:rPr>
+              <a:t>Library</a:t>
+            </a:r>
+          </a:p>
+        </p:txBody>
+      </p:sp>
+      <p:sp>
+        <p:nvSpPr>
+          <p:cNvPr id="5" name="Rectangle 4">
+            <a:extLst>
+              <a:ext uri="{FF2B5EF4-FFF2-40B4-BE49-F238E27FC236}">
+                <a16:creationId xmlns:a16="http://schemas.microsoft.com/office/drawing/2014/main" id="{1D5974BE-D367-45A7-A61C-B14093A72A87}"/>
+              </a:ext>
+            </a:extLst>
+          </p:cNvPr>
+          <p:cNvSpPr/>
+          <p:nvPr/>
+        </p:nvSpPr>
+        <p:spPr>
+          <a:xfrm>
+            <a:off x="5060156" y="450057"/>
+            <a:ext cx="2071688" cy="1343025"/>
+          </a:xfrm>
+          <a:prstGeom prst="rect">
+            <a:avLst/>
+          </a:prstGeom>
+          <a:noFill/>
+          <a:ln>
+            <a:solidFill>
+              <a:schemeClr val="tx1"/>
+            </a:solidFill>
+          </a:ln>
+        </p:spPr>
+        <p:style>
+          <a:lnRef idx="2">
+            <a:schemeClr val="accent1">
+              <a:shade val="50000"/>
+            </a:schemeClr>
+          </a:lnRef>
+          <a:fillRef idx="1">
+            <a:schemeClr val="accent1"/>
+          </a:fillRef>
+          <a:effectRef idx="0">
+            <a:schemeClr val="accent1"/>
+          </a:effectRef>
+          <a:fontRef idx="minor">
+            <a:schemeClr val="lt1"/>
+          </a:fontRef>
+        </p:style>
+        <p:txBody>
+          <a:bodyPr rtlCol="0" anchor="ctr"/>
+          <a:lstStyle/>
+          <a:p>
+            <a:pPr algn="ctr"/>
+            <a:r>
+              <a:rPr lang="en-US" altLang="zh-CN" sz="4000" dirty="0">
+                <a:solidFill>
+                  <a:schemeClr val="tx1"/>
+                </a:solidFill>
+              </a:rPr>
+              <a:t>EMCCD</a:t>
+            </a:r>
+            <a:endParaRPr lang="en-GB" sz="4000" dirty="0">
+              <a:solidFill>
+                <a:schemeClr val="tx1"/>
+              </a:solidFill>
+            </a:endParaRPr>
+          </a:p>
+        </p:txBody>
+      </p:sp>
+      <p:sp>
+        <p:nvSpPr>
+          <p:cNvPr id="6" name="Rectangle 5">
+            <a:extLst>
+              <a:ext uri="{FF2B5EF4-FFF2-40B4-BE49-F238E27FC236}">
+                <a16:creationId xmlns:a16="http://schemas.microsoft.com/office/drawing/2014/main" id="{2E1DB2AC-ADAE-4B13-8121-3D025382A291}"/>
+              </a:ext>
+            </a:extLst>
+          </p:cNvPr>
+          <p:cNvSpPr/>
+          <p:nvPr/>
+        </p:nvSpPr>
+        <p:spPr>
+          <a:xfrm>
+            <a:off x="4231482" y="2407440"/>
+            <a:ext cx="3729036" cy="1343025"/>
+          </a:xfrm>
+          <a:prstGeom prst="rect">
+            <a:avLst/>
+          </a:prstGeom>
+          <a:noFill/>
+          <a:ln>
+            <a:solidFill>
+              <a:schemeClr val="tx1"/>
+            </a:solidFill>
+          </a:ln>
+        </p:spPr>
+        <p:style>
+          <a:lnRef idx="2">
+            <a:schemeClr val="accent1">
+              <a:shade val="50000"/>
+            </a:schemeClr>
+          </a:lnRef>
+          <a:fillRef idx="1">
+            <a:schemeClr val="accent1"/>
+          </a:fillRef>
+          <a:effectRef idx="0">
+            <a:schemeClr val="accent1"/>
+          </a:effectRef>
+          <a:fontRef idx="minor">
+            <a:schemeClr val="lt1"/>
+          </a:fontRef>
+        </p:style>
+        <p:txBody>
+          <a:bodyPr rtlCol="0" anchor="ctr"/>
+          <a:lstStyle/>
+          <a:p>
+            <a:pPr algn="ctr"/>
+            <a:r>
+              <a:rPr lang="en-GB" sz="4000" dirty="0">
+                <a:solidFill>
+                  <a:schemeClr val="tx1"/>
+                </a:solidFill>
+              </a:rPr>
+              <a:t>Camera Control Main Program</a:t>
+            </a:r>
+            <a:endParaRPr lang="en-GB" sz="4000" dirty="0"/>
+          </a:p>
+        </p:txBody>
+      </p:sp>
+      <p:sp>
+        <p:nvSpPr>
+          <p:cNvPr id="7" name="Rectangle 6">
+            <a:extLst>
+              <a:ext uri="{FF2B5EF4-FFF2-40B4-BE49-F238E27FC236}">
+                <a16:creationId xmlns:a16="http://schemas.microsoft.com/office/drawing/2014/main" id="{BC84AE1E-BFCE-479A-93A3-1185D8E2C698}"/>
+              </a:ext>
+            </a:extLst>
+          </p:cNvPr>
+          <p:cNvSpPr/>
+          <p:nvPr/>
+        </p:nvSpPr>
+        <p:spPr>
+          <a:xfrm>
+            <a:off x="9011842" y="1300163"/>
+            <a:ext cx="2071688" cy="1343025"/>
+          </a:xfrm>
+          <a:prstGeom prst="rect">
+            <a:avLst/>
+          </a:prstGeom>
+          <a:noFill/>
+          <a:ln>
+            <a:solidFill>
+              <a:schemeClr val="tx1"/>
+            </a:solidFill>
+          </a:ln>
+        </p:spPr>
+        <p:style>
+          <a:lnRef idx="2">
+            <a:schemeClr val="accent1">
+              <a:shade val="50000"/>
+            </a:schemeClr>
+          </a:lnRef>
+          <a:fillRef idx="1">
+            <a:schemeClr val="accent1"/>
+          </a:fillRef>
+          <a:effectRef idx="0">
+            <a:schemeClr val="accent1"/>
+          </a:effectRef>
+          <a:fontRef idx="minor">
+            <a:schemeClr val="lt1"/>
+          </a:fontRef>
+        </p:style>
+        <p:txBody>
+          <a:bodyPr rtlCol="0" anchor="ctr"/>
+          <a:lstStyle/>
+          <a:p>
+            <a:pPr algn="ctr"/>
+            <a:r>
+              <a:rPr lang="en-GB" sz="4000" dirty="0">
+                <a:solidFill>
+                  <a:schemeClr val="tx1"/>
+                </a:solidFill>
+              </a:rPr>
+              <a:t>GUI</a:t>
+            </a:r>
+          </a:p>
+        </p:txBody>
+      </p:sp>
+      <p:cxnSp>
+        <p:nvCxnSpPr>
+          <p:cNvPr id="10" name="Straight Arrow Connector 9">
+            <a:extLst>
+              <a:ext uri="{FF2B5EF4-FFF2-40B4-BE49-F238E27FC236}">
+                <a16:creationId xmlns:a16="http://schemas.microsoft.com/office/drawing/2014/main" id="{CC475B20-E539-43E4-B216-3E1370BB0FEA}"/>
+              </a:ext>
+            </a:extLst>
+          </p:cNvPr>
+          <p:cNvCxnSpPr>
+            <a:cxnSpLocks/>
+            <a:stCxn id="5" idx="2"/>
+            <a:endCxn id="6" idx="0"/>
+          </p:cNvCxnSpPr>
+          <p:nvPr/>
+        </p:nvCxnSpPr>
+        <p:spPr>
+          <a:xfrm>
+            <a:off x="6096000" y="1793082"/>
+            <a:ext cx="0" cy="614358"/>
+          </a:xfrm>
+          <a:prstGeom prst="straightConnector1">
+            <a:avLst/>
+          </a:prstGeom>
+          <a:ln w="38100">
+            <a:headEnd type="triangle"/>
+            <a:tailEnd type="triangle"/>
+          </a:ln>
+        </p:spPr>
+        <p:style>
+          <a:lnRef idx="3">
+            <a:schemeClr val="dk1"/>
+          </a:lnRef>
+          <a:fillRef idx="0">
+            <a:schemeClr val="dk1"/>
+          </a:fillRef>
+          <a:effectRef idx="2">
+            <a:schemeClr val="dk1"/>
+          </a:effectRef>
+          <a:fontRef idx="minor">
+            <a:schemeClr val="tx1"/>
+          </a:fontRef>
+        </p:style>
+      </p:cxnSp>
+      <p:cxnSp>
+        <p:nvCxnSpPr>
+          <p:cNvPr id="12" name="Straight Arrow Connector 11">
+            <a:extLst>
+              <a:ext uri="{FF2B5EF4-FFF2-40B4-BE49-F238E27FC236}">
+                <a16:creationId xmlns:a16="http://schemas.microsoft.com/office/drawing/2014/main" id="{D968399B-F29E-4D26-91FC-50125D00C072}"/>
+              </a:ext>
+            </a:extLst>
+          </p:cNvPr>
+          <p:cNvCxnSpPr>
+            <a:cxnSpLocks/>
+            <a:stCxn id="4" idx="3"/>
+            <a:endCxn id="6" idx="1"/>
+          </p:cNvCxnSpPr>
+          <p:nvPr/>
+        </p:nvCxnSpPr>
+        <p:spPr>
+          <a:xfrm>
+            <a:off x="3180158" y="1971676"/>
+            <a:ext cx="1051324" cy="1107277"/>
+          </a:xfrm>
+          <a:prstGeom prst="straightConnector1">
+            <a:avLst/>
+          </a:prstGeom>
+          <a:ln w="38100">
+            <a:solidFill>
+              <a:schemeClr val="tx1"/>
+            </a:solidFill>
+            <a:tailEnd type="triangle"/>
+          </a:ln>
+        </p:spPr>
+        <p:style>
+          <a:lnRef idx="1">
+            <a:schemeClr val="accent1"/>
+          </a:lnRef>
+          <a:fillRef idx="0">
+            <a:schemeClr val="accent1"/>
+          </a:fillRef>
+          <a:effectRef idx="0">
+            <a:schemeClr val="accent1"/>
+          </a:effectRef>
+          <a:fontRef idx="minor">
+            <a:schemeClr val="tx1"/>
+          </a:fontRef>
+        </p:style>
+      </p:cxnSp>
+      <p:cxnSp>
+        <p:nvCxnSpPr>
+          <p:cNvPr id="13" name="Straight Arrow Connector 12">
+            <a:extLst>
+              <a:ext uri="{FF2B5EF4-FFF2-40B4-BE49-F238E27FC236}">
+                <a16:creationId xmlns:a16="http://schemas.microsoft.com/office/drawing/2014/main" id="{F019A65A-0564-4EEC-890A-9CEE575079F7}"/>
+              </a:ext>
+            </a:extLst>
+          </p:cNvPr>
+          <p:cNvCxnSpPr>
+            <a:cxnSpLocks/>
+            <a:stCxn id="7" idx="1"/>
+            <a:endCxn id="6" idx="3"/>
+          </p:cNvCxnSpPr>
+          <p:nvPr/>
+        </p:nvCxnSpPr>
+        <p:spPr>
+          <a:xfrm flipH="1">
+            <a:off x="7960518" y="1971676"/>
+            <a:ext cx="1051324" cy="1107277"/>
+          </a:xfrm>
+          <a:prstGeom prst="straightConnector1">
+            <a:avLst/>
+          </a:prstGeom>
+          <a:ln w="38100">
+            <a:solidFill>
+              <a:schemeClr val="tx1"/>
+            </a:solidFill>
+            <a:tailEnd type="triangle"/>
+          </a:ln>
+        </p:spPr>
+        <p:style>
+          <a:lnRef idx="1">
+            <a:schemeClr val="accent1"/>
+          </a:lnRef>
+          <a:fillRef idx="0">
+            <a:schemeClr val="accent1"/>
+          </a:fillRef>
+          <a:effectRef idx="0">
+            <a:schemeClr val="accent1"/>
+          </a:effectRef>
+          <a:fontRef idx="minor">
+            <a:schemeClr val="tx1"/>
+          </a:fontRef>
+        </p:style>
+      </p:cxnSp>
+    </p:spTree>
+    <p:extLst>
+      <p:ext uri="{BB962C8B-B14F-4D97-AF65-F5344CB8AC3E}">
+        <p14:creationId xmlns:p14="http://schemas.microsoft.com/office/powerpoint/2010/main" val="4197834040"/>
+      </p:ext>
+    </p:extLst>
+  </p:cSld>
+  <p:clrMapOvr>
+    <a:masterClrMapping/>
+  </p:clrMapOvr>
+</p:sld>
+</file>
+
+<file path=ppt/slides/slide18.xml><?xml version="1.0" encoding="utf-8"?>
+<p:sld xmlns:a="http://schemas.openxmlformats.org/drawingml/2006/main" xmlns:r="http://schemas.openxmlformats.org/officeDocument/2006/relationships" xmlns:p="http://schemas.openxmlformats.org/presentationml/2006/main">
+  <p:cSld>
+    <p:spTree>
+      <p:nvGrpSpPr>
+        <p:cNvPr id="1" name=""/>
+        <p:cNvGrpSpPr/>
+        <p:nvPr/>
+      </p:nvGrpSpPr>
+      <p:grpSpPr>
+        <a:xfrm>
+          <a:off x="0" y="0"/>
+          <a:ext cx="0" cy="0"/>
+          <a:chOff x="0" y="0"/>
+          <a:chExt cx="0" cy="0"/>
+        </a:xfrm>
+      </p:grpSpPr>
+      <p:sp>
+        <p:nvSpPr>
+          <p:cNvPr id="14" name="Rectangle 13">
+            <a:extLst>
+              <a:ext uri="{FF2B5EF4-FFF2-40B4-BE49-F238E27FC236}">
+                <a16:creationId xmlns:a16="http://schemas.microsoft.com/office/drawing/2014/main" id="{F20E5039-CF1E-4866-B805-EDBDDB5AF154}"/>
+              </a:ext>
+            </a:extLst>
+          </p:cNvPr>
+          <p:cNvSpPr/>
+          <p:nvPr/>
+        </p:nvSpPr>
+        <p:spPr>
+          <a:xfrm>
+            <a:off x="4982765" y="521494"/>
+            <a:ext cx="2226469" cy="1343025"/>
+          </a:xfrm>
+          <a:prstGeom prst="rect">
+            <a:avLst/>
+          </a:prstGeom>
+          <a:noFill/>
+          <a:ln>
+            <a:solidFill>
+              <a:schemeClr val="tx1"/>
+            </a:solidFill>
+          </a:ln>
+        </p:spPr>
+        <p:style>
+          <a:lnRef idx="2">
+            <a:schemeClr val="accent1">
+              <a:shade val="50000"/>
+            </a:schemeClr>
+          </a:lnRef>
+          <a:fillRef idx="1">
+            <a:schemeClr val="accent1"/>
+          </a:fillRef>
+          <a:effectRef idx="0">
+            <a:schemeClr val="accent1"/>
+          </a:effectRef>
+          <a:fontRef idx="minor">
+            <a:schemeClr val="lt1"/>
+          </a:fontRef>
+        </p:style>
+        <p:txBody>
+          <a:bodyPr rtlCol="0" anchor="ctr"/>
+          <a:lstStyle/>
+          <a:p>
+            <a:pPr algn="ctr"/>
+            <a:r>
+              <a:rPr lang="en-US" altLang="zh-CN" sz="4000" dirty="0">
+                <a:solidFill>
+                  <a:schemeClr val="tx1"/>
+                </a:solidFill>
+              </a:rPr>
+              <a:t>.txt Image file</a:t>
+            </a:r>
+            <a:endParaRPr lang="en-GB" sz="4000" dirty="0">
+              <a:solidFill>
+                <a:schemeClr val="tx1"/>
+              </a:solidFill>
+            </a:endParaRPr>
+          </a:p>
+        </p:txBody>
+      </p:sp>
+      <p:sp>
+        <p:nvSpPr>
+          <p:cNvPr id="15" name="Rectangle 14">
+            <a:extLst>
+              <a:ext uri="{FF2B5EF4-FFF2-40B4-BE49-F238E27FC236}">
+                <a16:creationId xmlns:a16="http://schemas.microsoft.com/office/drawing/2014/main" id="{F223CF22-034D-4431-A738-B661E7F95E3F}"/>
+              </a:ext>
+            </a:extLst>
+          </p:cNvPr>
+          <p:cNvSpPr/>
+          <p:nvPr/>
+        </p:nvSpPr>
+        <p:spPr>
+          <a:xfrm>
+            <a:off x="4231482" y="2407440"/>
+            <a:ext cx="3729036" cy="1343025"/>
+          </a:xfrm>
+          <a:prstGeom prst="rect">
+            <a:avLst/>
+          </a:prstGeom>
+          <a:noFill/>
+          <a:ln>
+            <a:solidFill>
+              <a:schemeClr val="tx1"/>
+            </a:solidFill>
+          </a:ln>
+        </p:spPr>
+        <p:style>
+          <a:lnRef idx="2">
+            <a:schemeClr val="accent1">
+              <a:shade val="50000"/>
+            </a:schemeClr>
+          </a:lnRef>
+          <a:fillRef idx="1">
+            <a:schemeClr val="accent1"/>
+          </a:fillRef>
+          <a:effectRef idx="0">
+            <a:schemeClr val="accent1"/>
+          </a:effectRef>
+          <a:fontRef idx="minor">
+            <a:schemeClr val="lt1"/>
+          </a:fontRef>
+        </p:style>
+        <p:txBody>
+          <a:bodyPr rtlCol="0" anchor="ctr"/>
+          <a:lstStyle/>
+          <a:p>
+            <a:pPr algn="ctr"/>
+            <a:r>
+              <a:rPr lang="en-GB" sz="4000" dirty="0">
+                <a:solidFill>
+                  <a:schemeClr val="tx1"/>
+                </a:solidFill>
+              </a:rPr>
+              <a:t>Image Loading Main Program</a:t>
+            </a:r>
+            <a:endParaRPr lang="en-GB" sz="4000" dirty="0"/>
+          </a:p>
+        </p:txBody>
+      </p:sp>
+      <p:sp>
+        <p:nvSpPr>
+          <p:cNvPr id="16" name="Rectangle 15">
+            <a:extLst>
+              <a:ext uri="{FF2B5EF4-FFF2-40B4-BE49-F238E27FC236}">
+                <a16:creationId xmlns:a16="http://schemas.microsoft.com/office/drawing/2014/main" id="{B6017AB3-19D8-4F04-8E02-1E7E5B17AC6F}"/>
+              </a:ext>
+            </a:extLst>
+          </p:cNvPr>
+          <p:cNvSpPr/>
+          <p:nvPr/>
+        </p:nvSpPr>
+        <p:spPr>
+          <a:xfrm>
+            <a:off x="9011842" y="1300163"/>
+            <a:ext cx="2071688" cy="1343025"/>
+          </a:xfrm>
+          <a:prstGeom prst="rect">
+            <a:avLst/>
+          </a:prstGeom>
+          <a:noFill/>
+          <a:ln>
+            <a:solidFill>
+              <a:schemeClr val="tx1"/>
+            </a:solidFill>
+          </a:ln>
+        </p:spPr>
+        <p:style>
+          <a:lnRef idx="2">
+            <a:schemeClr val="accent1">
+              <a:shade val="50000"/>
+            </a:schemeClr>
+          </a:lnRef>
+          <a:fillRef idx="1">
+            <a:schemeClr val="accent1"/>
+          </a:fillRef>
+          <a:effectRef idx="0">
+            <a:schemeClr val="accent1"/>
+          </a:effectRef>
+          <a:fontRef idx="minor">
+            <a:schemeClr val="lt1"/>
+          </a:fontRef>
+        </p:style>
+        <p:txBody>
+          <a:bodyPr rtlCol="0" anchor="ctr"/>
+          <a:lstStyle/>
+          <a:p>
+            <a:pPr algn="ctr"/>
+            <a:r>
+              <a:rPr lang="en-GB" sz="4000" dirty="0">
+                <a:solidFill>
+                  <a:schemeClr val="tx1"/>
+                </a:solidFill>
+              </a:rPr>
+              <a:t>GUI</a:t>
+            </a:r>
+          </a:p>
+        </p:txBody>
+      </p:sp>
+      <p:cxnSp>
+        <p:nvCxnSpPr>
+          <p:cNvPr id="18" name="Straight Arrow Connector 17">
+            <a:extLst>
+              <a:ext uri="{FF2B5EF4-FFF2-40B4-BE49-F238E27FC236}">
+                <a16:creationId xmlns:a16="http://schemas.microsoft.com/office/drawing/2014/main" id="{7C0F27C3-8861-4FB9-AB09-4A2FB06B0071}"/>
+              </a:ext>
+            </a:extLst>
+          </p:cNvPr>
+          <p:cNvCxnSpPr>
+            <a:cxnSpLocks/>
+            <a:stCxn id="16" idx="1"/>
+            <a:endCxn id="15" idx="3"/>
+          </p:cNvCxnSpPr>
+          <p:nvPr/>
+        </p:nvCxnSpPr>
+        <p:spPr>
+          <a:xfrm flipH="1">
+            <a:off x="7960518" y="1971676"/>
+            <a:ext cx="1051324" cy="1107277"/>
+          </a:xfrm>
+          <a:prstGeom prst="straightConnector1">
+            <a:avLst/>
+          </a:prstGeom>
+          <a:ln w="38100">
+            <a:solidFill>
+              <a:schemeClr val="tx1"/>
+            </a:solidFill>
+            <a:tailEnd type="triangle"/>
+          </a:ln>
+        </p:spPr>
+        <p:style>
+          <a:lnRef idx="1">
+            <a:schemeClr val="accent1"/>
+          </a:lnRef>
+          <a:fillRef idx="0">
+            <a:schemeClr val="accent1"/>
+          </a:fillRef>
+          <a:effectRef idx="0">
+            <a:schemeClr val="accent1"/>
+          </a:effectRef>
+          <a:fontRef idx="minor">
+            <a:schemeClr val="tx1"/>
+          </a:fontRef>
+        </p:style>
+      </p:cxnSp>
+      <p:cxnSp>
+        <p:nvCxnSpPr>
+          <p:cNvPr id="21" name="Straight Arrow Connector 20">
+            <a:extLst>
+              <a:ext uri="{FF2B5EF4-FFF2-40B4-BE49-F238E27FC236}">
+                <a16:creationId xmlns:a16="http://schemas.microsoft.com/office/drawing/2014/main" id="{F9D388BB-FE2D-4EEE-85F9-97218E0F3EC6}"/>
+              </a:ext>
+            </a:extLst>
+          </p:cNvPr>
+          <p:cNvCxnSpPr>
+            <a:cxnSpLocks/>
+            <a:stCxn id="14" idx="2"/>
+            <a:endCxn id="15" idx="0"/>
+          </p:cNvCxnSpPr>
+          <p:nvPr/>
+        </p:nvCxnSpPr>
+        <p:spPr>
+          <a:xfrm>
+            <a:off x="6096000" y="1864519"/>
+            <a:ext cx="0" cy="542921"/>
+          </a:xfrm>
+          <a:prstGeom prst="straightConnector1">
+            <a:avLst/>
+          </a:prstGeom>
+          <a:ln w="38100">
+            <a:solidFill>
+              <a:schemeClr val="tx1"/>
+            </a:solidFill>
+            <a:tailEnd type="triangle"/>
+          </a:ln>
+        </p:spPr>
+        <p:style>
+          <a:lnRef idx="1">
+            <a:schemeClr val="accent1"/>
+          </a:lnRef>
+          <a:fillRef idx="0">
+            <a:schemeClr val="accent1"/>
+          </a:fillRef>
+          <a:effectRef idx="0">
+            <a:schemeClr val="accent1"/>
+          </a:effectRef>
+          <a:fontRef idx="minor">
+            <a:schemeClr val="tx1"/>
+          </a:fontRef>
+        </p:style>
+      </p:cxnSp>
+    </p:spTree>
+    <p:extLst>
+      <p:ext uri="{BB962C8B-B14F-4D97-AF65-F5344CB8AC3E}">
+        <p14:creationId xmlns:p14="http://schemas.microsoft.com/office/powerpoint/2010/main" val="3879119599"/>
+      </p:ext>
+    </p:extLst>
+  </p:cSld>
+  <p:clrMapOvr>
+    <a:masterClrMapping/>
+  </p:clrMapOvr>
+</p:sld>
+</file>
+
 <file path=ppt/slides/slide2.xml><?xml version="1.0" encoding="utf-8"?>
 <p:sld xmlns:a="http://schemas.openxmlformats.org/drawingml/2006/main" xmlns:r="http://schemas.openxmlformats.org/officeDocument/2006/relationships" xmlns:p="http://schemas.openxmlformats.org/presentationml/2006/main">
   <p:cSld>
